--- a/Uke 35/Bilder.pptx
+++ b/Uke 35/Bilder.pptx
@@ -106,6 +106,11 @@
       </a:defRPr>
     </a:lvl9pPr>
   </p:defaultTextStyle>
+  <p:extLst>
+    <p:ext uri="{EFAFB233-063F-42B5-8137-9DF3F51BA10A}">
+      <p15:sldGuideLst xmlns:p15="http://schemas.microsoft.com/office/powerpoint/2012/main"/>
+    </p:ext>
+  </p:extLst>
 </p:presentation>
 </file>
 
@@ -3793,6 +3798,174 @@
           <a:bodyPr/>
           <a:lstStyle/>
           <a:p>
+            <a:r>
+              <a:rPr lang="nb-NO" dirty="0"/>
+              <a:t>Vi kan bruke </a:t>
+            </a:r>
+            <a:r>
+              <a:rPr lang="nb-NO" dirty="0">
+                <a:solidFill>
+                  <a:srgbClr val="FF0000"/>
+                </a:solidFill>
+              </a:rPr>
+              <a:t>&lt;video&gt; </a:t>
+            </a:r>
+            <a:r>
+              <a:rPr lang="nb-NO" dirty="0"/>
+              <a:t>taggen</a:t>
+            </a:r>
+          </a:p>
+          <a:p>
+            <a:r>
+              <a:rPr lang="nb-NO" dirty="0"/>
+              <a:t>Attributter</a:t>
+            </a:r>
+          </a:p>
+          <a:p>
+            <a:pPr marL="457200" lvl="1" indent="0">
+              <a:buNone/>
+            </a:pPr>
+            <a:r>
+              <a:rPr lang="nb-NO" dirty="0" err="1">
+                <a:solidFill>
+                  <a:schemeClr val="accent1">
+                    <a:lumMod val="75000"/>
+                  </a:schemeClr>
+                </a:solidFill>
+              </a:rPr>
+              <a:t>src</a:t>
+            </a:r>
+            <a:r>
+              <a:rPr lang="nb-NO" dirty="0">
+                <a:solidFill>
+                  <a:schemeClr val="accent1">
+                    <a:lumMod val="75000"/>
+                  </a:schemeClr>
+                </a:solidFill>
+              </a:rPr>
+              <a:t>: </a:t>
+            </a:r>
+            <a:r>
+              <a:rPr lang="nb-NO" dirty="0"/>
+              <a:t>videokilden</a:t>
+            </a:r>
+          </a:p>
+          <a:p>
+            <a:pPr marL="457200" lvl="1" indent="0">
+              <a:buNone/>
+            </a:pPr>
+            <a:r>
+              <a:rPr lang="nb-NO" dirty="0" err="1">
+                <a:solidFill>
+                  <a:schemeClr val="accent1">
+                    <a:lumMod val="75000"/>
+                  </a:schemeClr>
+                </a:solidFill>
+              </a:rPr>
+              <a:t>controls</a:t>
+            </a:r>
+            <a:r>
+              <a:rPr lang="nb-NO" dirty="0">
+                <a:solidFill>
+                  <a:schemeClr val="accent1">
+                    <a:lumMod val="75000"/>
+                  </a:schemeClr>
+                </a:solidFill>
+              </a:rPr>
+              <a:t>:</a:t>
+            </a:r>
+            <a:r>
+              <a:rPr lang="nb-NO" dirty="0"/>
+              <a:t> viser en videospiller</a:t>
+            </a:r>
+          </a:p>
+          <a:p>
+            <a:pPr marL="457200" lvl="1" indent="0">
+              <a:buNone/>
+            </a:pPr>
+            <a:r>
+              <a:rPr lang="nb-NO" dirty="0">
+                <a:solidFill>
+                  <a:schemeClr val="accent1">
+                    <a:lumMod val="75000"/>
+                  </a:schemeClr>
+                </a:solidFill>
+              </a:rPr>
+              <a:t>poster: </a:t>
+            </a:r>
+            <a:r>
+              <a:rPr lang="nb-NO" dirty="0"/>
+              <a:t>bilde som vises før avspilling (poster="bilde.jpg")</a:t>
+            </a:r>
+          </a:p>
+          <a:p>
+            <a:pPr marL="457200" lvl="1" indent="0">
+              <a:buNone/>
+            </a:pPr>
+            <a:r>
+              <a:rPr lang="nb-NO" dirty="0">
+                <a:solidFill>
+                  <a:schemeClr val="accent1">
+                    <a:lumMod val="75000"/>
+                  </a:schemeClr>
+                </a:solidFill>
+              </a:rPr>
+              <a:t>loop</a:t>
+            </a:r>
+            <a:r>
+              <a:rPr lang="nb-NO" dirty="0"/>
+              <a:t> og </a:t>
+            </a:r>
+            <a:r>
+              <a:rPr lang="nb-NO" dirty="0" err="1">
+                <a:solidFill>
+                  <a:schemeClr val="accent1">
+                    <a:lumMod val="75000"/>
+                  </a:schemeClr>
+                </a:solidFill>
+              </a:rPr>
+              <a:t>autoplay</a:t>
+            </a:r>
+            <a:endParaRPr lang="nb-NO" dirty="0">
+              <a:solidFill>
+                <a:schemeClr val="accent1">
+                  <a:lumMod val="75000"/>
+                </a:schemeClr>
+              </a:solidFill>
+            </a:endParaRPr>
+          </a:p>
+          <a:p>
+            <a:pPr marL="457200" lvl="1" indent="0">
+              <a:buNone/>
+            </a:pPr>
+            <a:endParaRPr lang="nb-NO" dirty="0">
+              <a:solidFill>
+                <a:schemeClr val="accent1">
+                  <a:lumMod val="75000"/>
+                </a:schemeClr>
+              </a:solidFill>
+            </a:endParaRPr>
+          </a:p>
+          <a:p>
+            <a:r>
+              <a:rPr lang="nb-NO" dirty="0"/>
+              <a:t>Flere finnes, bruk wc3schools</a:t>
+            </a:r>
+          </a:p>
+          <a:p>
+            <a:pPr marL="457200" lvl="1" indent="0">
+              <a:buNone/>
+            </a:pPr>
+            <a:endParaRPr lang="nb-NO" dirty="0"/>
+          </a:p>
+          <a:p>
+            <a:pPr marL="457200" lvl="1" indent="0">
+              <a:buNone/>
+            </a:pPr>
+            <a:r>
+              <a:rPr lang="nb-NO" dirty="0"/>
+              <a:t> </a:t>
+            </a:r>
             <a:endParaRPr lang="en-GB" dirty="0"/>
           </a:p>
         </p:txBody>
@@ -3878,7 +4051,105 @@
           <a:bodyPr/>
           <a:lstStyle/>
           <a:p>
-            <a:endParaRPr lang="en-GB"/>
+            <a:r>
+              <a:rPr lang="nb-NO" dirty="0"/>
+              <a:t>Vi bruker </a:t>
+            </a:r>
+            <a:r>
+              <a:rPr lang="nb-NO" dirty="0">
+                <a:solidFill>
+                  <a:srgbClr val="FF0000"/>
+                </a:solidFill>
+              </a:rPr>
+              <a:t>&lt;</a:t>
+            </a:r>
+            <a:r>
+              <a:rPr lang="nb-NO" dirty="0" err="1">
+                <a:solidFill>
+                  <a:srgbClr val="FF0000"/>
+                </a:solidFill>
+              </a:rPr>
+              <a:t>audio</a:t>
+            </a:r>
+            <a:r>
+              <a:rPr lang="nb-NO" dirty="0">
+                <a:solidFill>
+                  <a:srgbClr val="FF0000"/>
+                </a:solidFill>
+              </a:rPr>
+              <a:t>&gt; </a:t>
+            </a:r>
+            <a:r>
+              <a:rPr lang="nb-NO" dirty="0"/>
+              <a:t>for lyd</a:t>
+            </a:r>
+          </a:p>
+          <a:p>
+            <a:r>
+              <a:rPr lang="nb-NO" dirty="0"/>
+              <a:t>Attributter</a:t>
+            </a:r>
+          </a:p>
+          <a:p>
+            <a:pPr lvl="1">
+              <a:buFontTx/>
+              <a:buChar char="-"/>
+            </a:pPr>
+            <a:r>
+              <a:rPr lang="nb-NO" dirty="0" err="1"/>
+              <a:t>src</a:t>
+            </a:r>
+            <a:endParaRPr lang="nb-NO" dirty="0"/>
+          </a:p>
+          <a:p>
+            <a:pPr lvl="1">
+              <a:buFontTx/>
+              <a:buChar char="-"/>
+            </a:pPr>
+            <a:r>
+              <a:rPr lang="nb-NO" dirty="0" err="1"/>
+              <a:t>autoplay</a:t>
+            </a:r>
+            <a:endParaRPr lang="nb-NO" dirty="0"/>
+          </a:p>
+          <a:p>
+            <a:pPr lvl="1">
+              <a:buFontTx/>
+              <a:buChar char="-"/>
+            </a:pPr>
+            <a:r>
+              <a:rPr lang="nb-NO" dirty="0" err="1"/>
+              <a:t>controls</a:t>
+            </a:r>
+            <a:endParaRPr lang="nb-NO" dirty="0"/>
+          </a:p>
+          <a:p>
+            <a:pPr lvl="1">
+              <a:buFontTx/>
+              <a:buChar char="-"/>
+            </a:pPr>
+            <a:r>
+              <a:rPr lang="nb-NO" dirty="0"/>
+              <a:t>loop</a:t>
+            </a:r>
+          </a:p>
+          <a:p>
+            <a:pPr lvl="1">
+              <a:buFontTx/>
+              <a:buChar char="-"/>
+            </a:pPr>
+            <a:r>
+              <a:rPr lang="nb-NO" dirty="0" err="1"/>
+              <a:t>muted</a:t>
+            </a:r>
+            <a:endParaRPr lang="nb-NO" dirty="0"/>
+          </a:p>
+          <a:p>
+            <a:pPr lvl="1">
+              <a:buFontTx/>
+              <a:buChar char="-"/>
+            </a:pPr>
+            <a:endParaRPr lang="en-GB" dirty="0"/>
           </a:p>
         </p:txBody>
       </p:sp>
